--- a/Predictive maintenance PPT.pptx
+++ b/Predictive maintenance PPT.pptx
@@ -217,7 +217,7 @@
           <a:p>
             <a:fld id="{967B580E-BB12-458A-8A67-A4E85A97E57A}" type="datetimeFigureOut">
               <a:rPr lang="en-US" smtClean="0"/>
-              <a:t>3/9/2024</a:t>
+              <a:t>11/6/2025</a:t>
             </a:fld>
             <a:endParaRPr lang="en-US" dirty="0"/>
           </a:p>
@@ -33593,8 +33593,8 @@
         </p:nvSpPr>
         <p:spPr>
           <a:xfrm>
-            <a:off x="173620" y="428903"/>
-            <a:ext cx="4051139" cy="3051391"/>
+            <a:off x="173620" y="428904"/>
+            <a:ext cx="4051139" cy="1980342"/>
           </a:xfrm>
         </p:spPr>
         <p:txBody>
@@ -33605,8 +33605,12 @@
           <a:p>
             <a:r>
               <a:rPr lang="en-US" sz="3200" dirty="0"/>
-              <a:t>Predictive maintenance: ML-based soft-sensors in transportation operation.</a:t>
+              <a:t>Explainable Fleet Maintenance Predictor</a:t>
             </a:r>
+            <a:br>
+              <a:rPr lang="en-US" sz="3200" dirty="0"/>
+            </a:br>
+            <a:endParaRPr lang="en-US" sz="3200" dirty="0"/>
           </a:p>
         </p:txBody>
       </p:sp>
@@ -33628,8 +33632,8 @@
         </p:nvSpPr>
         <p:spPr>
           <a:xfrm>
-            <a:off x="724847" y="4838736"/>
-            <a:ext cx="2948684" cy="955497"/>
+            <a:off x="238539" y="4838736"/>
+            <a:ext cx="3986220" cy="1848311"/>
           </a:xfrm>
         </p:spPr>
         <p:txBody>
@@ -33640,25 +33644,25 @@
           <a:p>
             <a:r>
               <a:rPr lang="en-US" sz="1400" dirty="0"/>
-              <a:t>Dharshan a</a:t>
+              <a:t>Mohd Faisal </a:t>
             </a:r>
           </a:p>
           <a:p>
             <a:r>
               <a:rPr lang="en-US" sz="1400" dirty="0"/>
-              <a:t>Pravin rf</a:t>
+              <a:t>SANJEEV NAYAN</a:t>
             </a:r>
           </a:p>
           <a:p>
             <a:r>
               <a:rPr lang="en-US" sz="1400" dirty="0"/>
-              <a:t>Rishikaandh</a:t>
+              <a:t>SOUMYAJIT MUKHERJEE</a:t>
             </a:r>
           </a:p>
           <a:p>
             <a:r>
               <a:rPr lang="en-US" sz="1400" dirty="0"/>
-              <a:t>Abinayaa mk </a:t>
+              <a:t>KAMAL SAINI</a:t>
             </a:r>
           </a:p>
         </p:txBody>
@@ -33922,7 +33926,7 @@
         </p:blipFill>
         <p:spPr>
           <a:xfrm>
-            <a:off x="258792" y="2164314"/>
+            <a:off x="258792" y="1888938"/>
             <a:ext cx="6018262" cy="3125164"/>
           </a:xfrm>
           <a:prstGeom prst="rect">
@@ -38301,6 +38305,25 @@
 </file>
 
 <file path=customXml/item1.xml><?xml version="1.0" encoding="utf-8"?>
+<p:properties xmlns:p="http://schemas.microsoft.com/office/2006/metadata/properties" xmlns:xsi="http://www.w3.org/2001/XMLSchema-instance" xmlns:pc="http://schemas.microsoft.com/office/infopath/2007/PartnerControls">
+  <documentManagement>
+    <Status xmlns="71af3243-3dd4-4a8d-8c0d-dd76da1f02a5">Not started</Status>
+    <_ip_UnifiedCompliancePolicyUIAction xmlns="http://schemas.microsoft.com/sharepoint/v3" xsi:nil="true"/>
+    <Image xmlns="71af3243-3dd4-4a8d-8c0d-dd76da1f02a5">
+      <Url xsi:nil="true"/>
+      <Description xsi:nil="true"/>
+    </Image>
+    <_ip_UnifiedCompliancePolicyProperties xmlns="http://schemas.microsoft.com/sharepoint/v3" xsi:nil="true"/>
+    <ImageTagsTaxHTField xmlns="71af3243-3dd4-4a8d-8c0d-dd76da1f02a5">
+      <Terms xmlns="http://schemas.microsoft.com/office/infopath/2007/PartnerControls"/>
+    </ImageTagsTaxHTField>
+    <TaxCatchAll xmlns="230e9df3-be65-4c73-a93b-d1236ebd677e"/>
+    <MediaServiceKeyPoints xmlns="71af3243-3dd4-4a8d-8c0d-dd76da1f02a5" xsi:nil="true"/>
+  </documentManagement>
+</p:properties>
+</file>
+
+<file path=customXml/item2.xml><?xml version="1.0" encoding="utf-8"?>
 <ct:contentTypeSchema xmlns:ct="http://schemas.microsoft.com/office/2006/metadata/contentType" xmlns:ma="http://schemas.microsoft.com/office/2006/metadata/properties/metaAttributes" ct:_="" ma:_="" ma:contentTypeName="Document" ma:contentTypeID="0x01010079F111ED35F8CC479449609E8A0923A6" ma:contentTypeVersion="20" ma:contentTypeDescription="Create a new document." ma:contentTypeScope="" ma:versionID="1267097ee5f5874adfcc408041ae252e">
   <xsd:schema xmlns:xsd="http://www.w3.org/2001/XMLSchema" xmlns:xs="http://www.w3.org/2001/XMLSchema" xmlns:p="http://schemas.microsoft.com/office/2006/metadata/properties" xmlns:ns1="http://schemas.microsoft.com/sharepoint/v3" xmlns:ns2="71af3243-3dd4-4a8d-8c0d-dd76da1f02a5" xmlns:ns3="16c05727-aa75-4e4a-9b5f-8a80a1165891" xmlns:ns4="230e9df3-be65-4c73-a93b-d1236ebd677e" targetNamespace="http://schemas.microsoft.com/office/2006/metadata/properties" ma:root="true" ma:fieldsID="395891a93df65b14727750f2c06c306c" ns1:_="" ns2:_="" ns3:_="" ns4:_="">
     <xsd:import namespace="http://schemas.microsoft.com/sharepoint/v3"/>
@@ -38576,25 +38599,6 @@
 </ct:contentTypeSchema>
 </file>
 
-<file path=customXml/item2.xml><?xml version="1.0" encoding="utf-8"?>
-<p:properties xmlns:p="http://schemas.microsoft.com/office/2006/metadata/properties" xmlns:xsi="http://www.w3.org/2001/XMLSchema-instance" xmlns:pc="http://schemas.microsoft.com/office/infopath/2007/PartnerControls">
-  <documentManagement>
-    <Status xmlns="71af3243-3dd4-4a8d-8c0d-dd76da1f02a5">Not started</Status>
-    <_ip_UnifiedCompliancePolicyUIAction xmlns="http://schemas.microsoft.com/sharepoint/v3" xsi:nil="true"/>
-    <Image xmlns="71af3243-3dd4-4a8d-8c0d-dd76da1f02a5">
-      <Url xsi:nil="true"/>
-      <Description xsi:nil="true"/>
-    </Image>
-    <_ip_UnifiedCompliancePolicyProperties xmlns="http://schemas.microsoft.com/sharepoint/v3" xsi:nil="true"/>
-    <ImageTagsTaxHTField xmlns="71af3243-3dd4-4a8d-8c0d-dd76da1f02a5">
-      <Terms xmlns="http://schemas.microsoft.com/office/infopath/2007/PartnerControls"/>
-    </ImageTagsTaxHTField>
-    <TaxCatchAll xmlns="230e9df3-be65-4c73-a93b-d1236ebd677e"/>
-    <MediaServiceKeyPoints xmlns="71af3243-3dd4-4a8d-8c0d-dd76da1f02a5" xsi:nil="true"/>
-  </documentManagement>
-</p:properties>
-</file>
-
 <file path=customXml/item3.xml><?xml version="1.0" encoding="utf-8"?>
 <?mso-contentType ?>
 <FormTemplates xmlns="http://schemas.microsoft.com/sharepoint/v3/contenttype/forms">
@@ -38605,6 +38609,18 @@
 </file>
 
 <file path=customXml/itemProps1.xml><?xml version="1.0" encoding="utf-8"?>
+<ds:datastoreItem xmlns:ds="http://schemas.openxmlformats.org/officeDocument/2006/customXml" ds:itemID="{0E506F55-A469-454B-8FCA-6F8BCF9DAA6B}">
+  <ds:schemaRefs>
+    <ds:schemaRef ds:uri="http://schemas.microsoft.com/office/2006/metadata/properties"/>
+    <ds:schemaRef ds:uri="http://schemas.microsoft.com/office/infopath/2007/PartnerControls"/>
+    <ds:schemaRef ds:uri="71af3243-3dd4-4a8d-8c0d-dd76da1f02a5"/>
+    <ds:schemaRef ds:uri="http://schemas.microsoft.com/sharepoint/v3"/>
+    <ds:schemaRef ds:uri="230e9df3-be65-4c73-a93b-d1236ebd677e"/>
+  </ds:schemaRefs>
+</ds:datastoreItem>
+</file>
+
+<file path=customXml/itemProps2.xml><?xml version="1.0" encoding="utf-8"?>
 <ds:datastoreItem xmlns:ds="http://schemas.openxmlformats.org/officeDocument/2006/customXml" ds:itemID="{5590CBB4-731C-4440-BC54-D2076F57C87A}">
   <ds:schemaRefs>
     <ds:schemaRef ds:uri="http://schemas.microsoft.com/office/2006/metadata/contentType"/>
@@ -38625,18 +38641,6 @@
 </ds:datastoreItem>
 </file>
 
-<file path=customXml/itemProps2.xml><?xml version="1.0" encoding="utf-8"?>
-<ds:datastoreItem xmlns:ds="http://schemas.openxmlformats.org/officeDocument/2006/customXml" ds:itemID="{0E506F55-A469-454B-8FCA-6F8BCF9DAA6B}">
-  <ds:schemaRefs>
-    <ds:schemaRef ds:uri="http://schemas.microsoft.com/office/2006/metadata/properties"/>
-    <ds:schemaRef ds:uri="http://schemas.microsoft.com/office/infopath/2007/PartnerControls"/>
-    <ds:schemaRef ds:uri="71af3243-3dd4-4a8d-8c0d-dd76da1f02a5"/>
-    <ds:schemaRef ds:uri="http://schemas.microsoft.com/sharepoint/v3"/>
-    <ds:schemaRef ds:uri="230e9df3-be65-4c73-a93b-d1236ebd677e"/>
-  </ds:schemaRefs>
-</ds:datastoreItem>
-</file>
-
 <file path=customXml/itemProps3.xml><?xml version="1.0" encoding="utf-8"?>
 <ds:datastoreItem xmlns:ds="http://schemas.openxmlformats.org/officeDocument/2006/customXml" ds:itemID="{8C0CC34A-D535-41BC-8B48-A0E1EA32D7E8}">
   <ds:schemaRefs>

--- a/Predictive maintenance PPT.pptx
+++ b/Predictive maintenance PPT.pptx
@@ -217,7 +217,7 @@
           <a:p>
             <a:fld id="{967B580E-BB12-458A-8A67-A4E85A97E57A}" type="datetimeFigureOut">
               <a:rPr lang="en-US" smtClean="0"/>
-              <a:t>11/6/2025</a:t>
+              <a:t>12/7/2025</a:t>
             </a:fld>
             <a:endParaRPr lang="en-US" dirty="0"/>
           </a:p>
@@ -33632,8 +33632,8 @@
         </p:nvSpPr>
         <p:spPr>
           <a:xfrm>
-            <a:off x="238539" y="4838736"/>
-            <a:ext cx="3986220" cy="1848311"/>
+            <a:off x="238539" y="4448756"/>
+            <a:ext cx="3986220" cy="2238292"/>
           </a:xfrm>
         </p:spPr>
         <p:txBody>
@@ -33641,6 +33641,12 @@
             <a:noAutofit/>
           </a:bodyPr>
           <a:lstStyle/>
+          <a:p>
+            <a:r>
+              <a:rPr lang="en-US" sz="1400" dirty="0"/>
+              <a:t>SHIVAM KUMAR</a:t>
+            </a:r>
+          </a:p>
           <a:p>
             <a:r>
               <a:rPr lang="en-US" sz="1400" dirty="0"/>
@@ -38305,22 +38311,12 @@
 </file>
 
 <file path=customXml/item1.xml><?xml version="1.0" encoding="utf-8"?>
-<p:properties xmlns:p="http://schemas.microsoft.com/office/2006/metadata/properties" xmlns:xsi="http://www.w3.org/2001/XMLSchema-instance" xmlns:pc="http://schemas.microsoft.com/office/infopath/2007/PartnerControls">
-  <documentManagement>
-    <Status xmlns="71af3243-3dd4-4a8d-8c0d-dd76da1f02a5">Not started</Status>
-    <_ip_UnifiedCompliancePolicyUIAction xmlns="http://schemas.microsoft.com/sharepoint/v3" xsi:nil="true"/>
-    <Image xmlns="71af3243-3dd4-4a8d-8c0d-dd76da1f02a5">
-      <Url xsi:nil="true"/>
-      <Description xsi:nil="true"/>
-    </Image>
-    <_ip_UnifiedCompliancePolicyProperties xmlns="http://schemas.microsoft.com/sharepoint/v3" xsi:nil="true"/>
-    <ImageTagsTaxHTField xmlns="71af3243-3dd4-4a8d-8c0d-dd76da1f02a5">
-      <Terms xmlns="http://schemas.microsoft.com/office/infopath/2007/PartnerControls"/>
-    </ImageTagsTaxHTField>
-    <TaxCatchAll xmlns="230e9df3-be65-4c73-a93b-d1236ebd677e"/>
-    <MediaServiceKeyPoints xmlns="71af3243-3dd4-4a8d-8c0d-dd76da1f02a5" xsi:nil="true"/>
-  </documentManagement>
-</p:properties>
+<?mso-contentType ?>
+<FormTemplates xmlns="http://schemas.microsoft.com/sharepoint/v3/contenttype/forms">
+  <Display>DocumentLibraryForm</Display>
+  <Edit>DocumentLibraryForm</Edit>
+  <New>DocumentLibraryForm</New>
+</FormTemplates>
 </file>
 
 <file path=customXml/item2.xml><?xml version="1.0" encoding="utf-8"?>
@@ -38600,22 +38596,28 @@
 </file>
 
 <file path=customXml/item3.xml><?xml version="1.0" encoding="utf-8"?>
-<?mso-contentType ?>
-<FormTemplates xmlns="http://schemas.microsoft.com/sharepoint/v3/contenttype/forms">
-  <Display>DocumentLibraryForm</Display>
-  <Edit>DocumentLibraryForm</Edit>
-  <New>DocumentLibraryForm</New>
-</FormTemplates>
+<p:properties xmlns:p="http://schemas.microsoft.com/office/2006/metadata/properties" xmlns:xsi="http://www.w3.org/2001/XMLSchema-instance" xmlns:pc="http://schemas.microsoft.com/office/infopath/2007/PartnerControls">
+  <documentManagement>
+    <Status xmlns="71af3243-3dd4-4a8d-8c0d-dd76da1f02a5">Not started</Status>
+    <_ip_UnifiedCompliancePolicyUIAction xmlns="http://schemas.microsoft.com/sharepoint/v3" xsi:nil="true"/>
+    <Image xmlns="71af3243-3dd4-4a8d-8c0d-dd76da1f02a5">
+      <Url xsi:nil="true"/>
+      <Description xsi:nil="true"/>
+    </Image>
+    <_ip_UnifiedCompliancePolicyProperties xmlns="http://schemas.microsoft.com/sharepoint/v3" xsi:nil="true"/>
+    <ImageTagsTaxHTField xmlns="71af3243-3dd4-4a8d-8c0d-dd76da1f02a5">
+      <Terms xmlns="http://schemas.microsoft.com/office/infopath/2007/PartnerControls"/>
+    </ImageTagsTaxHTField>
+    <TaxCatchAll xmlns="230e9df3-be65-4c73-a93b-d1236ebd677e"/>
+    <MediaServiceKeyPoints xmlns="71af3243-3dd4-4a8d-8c0d-dd76da1f02a5" xsi:nil="true"/>
+  </documentManagement>
+</p:properties>
 </file>
 
 <file path=customXml/itemProps1.xml><?xml version="1.0" encoding="utf-8"?>
-<ds:datastoreItem xmlns:ds="http://schemas.openxmlformats.org/officeDocument/2006/customXml" ds:itemID="{0E506F55-A469-454B-8FCA-6F8BCF9DAA6B}">
+<ds:datastoreItem xmlns:ds="http://schemas.openxmlformats.org/officeDocument/2006/customXml" ds:itemID="{8C0CC34A-D535-41BC-8B48-A0E1EA32D7E8}">
   <ds:schemaRefs>
-    <ds:schemaRef ds:uri="http://schemas.microsoft.com/office/2006/metadata/properties"/>
-    <ds:schemaRef ds:uri="http://schemas.microsoft.com/office/infopath/2007/PartnerControls"/>
-    <ds:schemaRef ds:uri="71af3243-3dd4-4a8d-8c0d-dd76da1f02a5"/>
-    <ds:schemaRef ds:uri="http://schemas.microsoft.com/sharepoint/v3"/>
-    <ds:schemaRef ds:uri="230e9df3-be65-4c73-a93b-d1236ebd677e"/>
+    <ds:schemaRef ds:uri="http://schemas.microsoft.com/sharepoint/v3/contenttype/forms"/>
   </ds:schemaRefs>
 </ds:datastoreItem>
 </file>
@@ -38642,9 +38644,13 @@
 </file>
 
 <file path=customXml/itemProps3.xml><?xml version="1.0" encoding="utf-8"?>
-<ds:datastoreItem xmlns:ds="http://schemas.openxmlformats.org/officeDocument/2006/customXml" ds:itemID="{8C0CC34A-D535-41BC-8B48-A0E1EA32D7E8}">
+<ds:datastoreItem xmlns:ds="http://schemas.openxmlformats.org/officeDocument/2006/customXml" ds:itemID="{0E506F55-A469-454B-8FCA-6F8BCF9DAA6B}">
   <ds:schemaRefs>
-    <ds:schemaRef ds:uri="http://schemas.microsoft.com/sharepoint/v3/contenttype/forms"/>
+    <ds:schemaRef ds:uri="http://schemas.microsoft.com/office/2006/metadata/properties"/>
+    <ds:schemaRef ds:uri="http://schemas.microsoft.com/office/infopath/2007/PartnerControls"/>
+    <ds:schemaRef ds:uri="71af3243-3dd4-4a8d-8c0d-dd76da1f02a5"/>
+    <ds:schemaRef ds:uri="http://schemas.microsoft.com/sharepoint/v3"/>
+    <ds:schemaRef ds:uri="230e9df3-be65-4c73-a93b-d1236ebd677e"/>
   </ds:schemaRefs>
 </ds:datastoreItem>
 </file>
